--- a/Documents/Team Cuatro - Presentation.pptx
+++ b/Documents/Team Cuatro - Presentation.pptx
@@ -19,21 +19,21 @@
   <p:notesSz cx="6858000" cy="9144000"/>
   <p:embeddedFontLst>
     <p:embeddedFont>
-      <p:font typeface="Fira Sans Extra Condensed Medium" charset="0"/>
+      <p:font typeface="Exo 2" panose="020B0604020202020204" charset="0"/>
       <p:regular r:id="rId9"/>
       <p:bold r:id="rId10"/>
       <p:italic r:id="rId11"/>
       <p:boldItalic r:id="rId12"/>
     </p:embeddedFont>
     <p:embeddedFont>
-      <p:font typeface="Exo 2" charset="-52"/>
+      <p:font typeface="Fira Sans Extra Condensed Medium" panose="020B0604020202020204" charset="0"/>
       <p:regular r:id="rId13"/>
       <p:bold r:id="rId14"/>
       <p:italic r:id="rId15"/>
       <p:boldItalic r:id="rId16"/>
     </p:embeddedFont>
     <p:embeddedFont>
-      <p:font typeface="Roboto Condensed Light" charset="0"/>
+      <p:font typeface="Roboto Condensed Light" panose="02000000000000000000" pitchFamily="2" charset="0"/>
       <p:regular r:id="rId17"/>
       <p:bold r:id="rId18"/>
       <p:italic r:id="rId19"/>
@@ -269,6 +269,22 @@
       </a:defRPr>
     </a:lvl9pPr>
   </p:defaultTextStyle>
+  <p:extLst>
+    <p:ext uri="{EFAFB233-063F-42B5-8137-9DF3F51BA10A}">
+      <p15:sldGuideLst xmlns:p15="http://schemas.microsoft.com/office/powerpoint/2012/main">
+        <p15:guide id="1" orient="horz" pos="1620">
+          <p15:clr>
+            <a:srgbClr val="A4A3A4"/>
+          </p15:clr>
+        </p15:guide>
+        <p15:guide id="2" pos="2880">
+          <p15:clr>
+            <a:srgbClr val="A4A3A4"/>
+          </p15:clr>
+        </p15:guide>
+      </p15:sldGuideLst>
+    </p:ext>
+  </p:extLst>
 </p:presentation>
 </file>
 
@@ -7933,7 +7949,7 @@
               <a:buNone/>
             </a:pPr>
             <a:r>
-              <a:rPr lang="en-US" dirty="0" smtClean="0"/>
+              <a:rPr lang="en-US" dirty="0"/>
               <a:t>TEAM CUATRO</a:t>
             </a:r>
             <a:endParaRPr dirty="0"/>
@@ -8009,6 +8025,18 @@
   <p:clrMapOvr>
     <a:masterClrMapping/>
   </p:clrMapOvr>
+  <mc:AlternateContent xmlns:mc="http://schemas.openxmlformats.org/markup-compatibility/2006">
+    <mc:Choice xmlns:p14="http://schemas.microsoft.com/office/powerpoint/2010/main" Requires="p14">
+      <p:transition spd="slow" p14:dur="3400">
+        <p14:reveal/>
+      </p:transition>
+    </mc:Choice>
+    <mc:Fallback>
+      <p:transition spd="slow">
+        <p:fade/>
+      </p:transition>
+    </mc:Fallback>
+  </mc:AlternateContent>
   <p:timing>
     <p:tnLst>
       <p:par>
@@ -8130,446 +8158,6 @@
           <a:chExt cx="0" cy="0"/>
         </a:xfrm>
       </p:grpSpPr>
-      <p:sp>
-        <p:nvSpPr>
-          <p:cNvPr id="450" name="Google Shape;450;p49"/>
-          <p:cNvSpPr txBox="1">
-            <a:spLocks noGrp="1"/>
-          </p:cNvSpPr>
-          <p:nvPr>
-            <p:ph type="ctrTitle"/>
-          </p:nvPr>
-        </p:nvSpPr>
-        <p:spPr>
-          <a:xfrm>
-            <a:off x="1964851" y="352850"/>
-            <a:ext cx="5214300" cy="946200"/>
-          </a:xfrm>
-          <a:prstGeom prst="rect">
-            <a:avLst/>
-          </a:prstGeom>
-        </p:spPr>
-        <p:txBody>
-          <a:bodyPr spcFirstLastPara="1" wrap="square" lIns="91425" tIns="91425" rIns="91425" bIns="91425" anchor="t" anchorCtr="0">
-            <a:noAutofit/>
-          </a:bodyPr>
-          <a:lstStyle/>
-          <a:p>
-            <a:pPr marL="0" lvl="0" indent="0" rtl="0">
-              <a:spcBef>
-                <a:spcPts val="0"/>
-              </a:spcBef>
-              <a:spcAft>
-                <a:spcPts val="0"/>
-              </a:spcAft>
-              <a:buNone/>
-            </a:pPr>
-            <a:r>
-              <a:rPr lang="en" dirty="0" smtClean="0"/>
-              <a:t>Our team</a:t>
-            </a:r>
-            <a:endParaRPr dirty="0"/>
-          </a:p>
-        </p:txBody>
-      </p:sp>
-      <p:sp>
-        <p:nvSpPr>
-          <p:cNvPr id="451" name="Google Shape;451;p49"/>
-          <p:cNvSpPr txBox="1">
-            <a:spLocks noGrp="1"/>
-          </p:cNvSpPr>
-          <p:nvPr>
-            <p:ph type="ctrTitle" idx="7"/>
-          </p:nvPr>
-        </p:nvSpPr>
-        <p:spPr>
-          <a:xfrm>
-            <a:off x="2232425" y="2499742"/>
-            <a:ext cx="1793100" cy="427500"/>
-          </a:xfrm>
-          <a:prstGeom prst="rect">
-            <a:avLst/>
-          </a:prstGeom>
-        </p:spPr>
-        <p:txBody>
-          <a:bodyPr spcFirstLastPara="1" wrap="square" lIns="91425" tIns="91425" rIns="91425" bIns="91425" anchor="b" anchorCtr="0">
-            <a:noAutofit/>
-          </a:bodyPr>
-          <a:lstStyle/>
-          <a:p>
-            <a:pPr marL="0" lvl="0" indent="0" algn="r" rtl="0">
-              <a:spcBef>
-                <a:spcPts val="0"/>
-              </a:spcBef>
-              <a:spcAft>
-                <a:spcPts val="0"/>
-              </a:spcAft>
-              <a:buNone/>
-            </a:pPr>
-            <a:r>
-              <a:rPr lang="en" dirty="0" smtClean="0"/>
-              <a:t>Georgi Vasilev</a:t>
-            </a:r>
-            <a:br>
-              <a:rPr lang="en" dirty="0" smtClean="0"/>
-            </a:br>
-            <a:r>
-              <a:rPr lang="en" dirty="0" smtClean="0"/>
-              <a:t>- Django</a:t>
-            </a:r>
-            <a:endParaRPr dirty="0"/>
-          </a:p>
-        </p:txBody>
-      </p:sp>
-      <p:sp>
-        <p:nvSpPr>
-          <p:cNvPr id="452" name="Google Shape;452;p49"/>
-          <p:cNvSpPr txBox="1">
-            <a:spLocks noGrp="1"/>
-          </p:cNvSpPr>
-          <p:nvPr>
-            <p:ph type="subTitle" idx="1"/>
-          </p:nvPr>
-        </p:nvSpPr>
-        <p:spPr>
-          <a:xfrm>
-            <a:off x="1619672" y="1707654"/>
-            <a:ext cx="1708200" cy="1003200"/>
-          </a:xfrm>
-          <a:prstGeom prst="rect">
-            <a:avLst/>
-          </a:prstGeom>
-        </p:spPr>
-        <p:txBody>
-          <a:bodyPr spcFirstLastPara="1" wrap="square" lIns="91425" tIns="91425" rIns="91425" bIns="91425" anchor="t" anchorCtr="0">
-            <a:noAutofit/>
-          </a:bodyPr>
-          <a:lstStyle/>
-          <a:p>
-            <a:pPr marL="0" lvl="0" indent="0" algn="l" rtl="0">
-              <a:spcBef>
-                <a:spcPts val="0"/>
-              </a:spcBef>
-              <a:spcAft>
-                <a:spcPts val="0"/>
-              </a:spcAft>
-              <a:buNone/>
-            </a:pPr>
-            <a:endParaRPr dirty="0"/>
-          </a:p>
-        </p:txBody>
-      </p:sp>
-      <p:sp>
-        <p:nvSpPr>
-          <p:cNvPr id="453" name="Google Shape;453;p49"/>
-          <p:cNvSpPr txBox="1">
-            <a:spLocks noGrp="1"/>
-          </p:cNvSpPr>
-          <p:nvPr>
-            <p:ph type="ctrTitle" idx="2"/>
-          </p:nvPr>
-        </p:nvSpPr>
-        <p:spPr>
-          <a:xfrm>
-            <a:off x="1619672" y="1707654"/>
-            <a:ext cx="1793100" cy="427500"/>
-          </a:xfrm>
-          <a:prstGeom prst="rect">
-            <a:avLst/>
-          </a:prstGeom>
-        </p:spPr>
-        <p:txBody>
-          <a:bodyPr spcFirstLastPara="1" wrap="square" lIns="91425" tIns="91425" rIns="91425" bIns="91425" anchor="b" anchorCtr="0">
-            <a:noAutofit/>
-          </a:bodyPr>
-          <a:lstStyle/>
-          <a:p>
-            <a:pPr marL="0" lvl="0" indent="0" algn="l" rtl="0">
-              <a:spcBef>
-                <a:spcPts val="0"/>
-              </a:spcBef>
-              <a:spcAft>
-                <a:spcPts val="0"/>
-              </a:spcAft>
-              <a:buNone/>
-            </a:pPr>
-            <a:r>
-              <a:rPr lang="en" dirty="0" smtClean="0"/>
-              <a:t>Aleksandra  Staykova (leader) </a:t>
-            </a:r>
-            <a:br>
-              <a:rPr lang="en" dirty="0" smtClean="0"/>
-            </a:br>
-            <a:r>
-              <a:rPr lang="en" dirty="0" smtClean="0"/>
-              <a:t>- Development                              </a:t>
-            </a:r>
-            <a:endParaRPr dirty="0"/>
-          </a:p>
-        </p:txBody>
-      </p:sp>
-      <p:sp>
-        <p:nvSpPr>
-          <p:cNvPr id="454" name="Google Shape;454;p49"/>
-          <p:cNvSpPr txBox="1">
-            <a:spLocks noGrp="1"/>
-          </p:cNvSpPr>
-          <p:nvPr>
-            <p:ph type="ctrTitle" idx="3"/>
-          </p:nvPr>
-        </p:nvSpPr>
-        <p:spPr>
-          <a:xfrm>
-            <a:off x="5652120" y="1491630"/>
-            <a:ext cx="1793100" cy="427500"/>
-          </a:xfrm>
-          <a:prstGeom prst="rect">
-            <a:avLst/>
-          </a:prstGeom>
-        </p:spPr>
-        <p:txBody>
-          <a:bodyPr spcFirstLastPara="1" wrap="square" lIns="91425" tIns="91425" rIns="91425" bIns="91425" anchor="b" anchorCtr="0">
-            <a:noAutofit/>
-          </a:bodyPr>
-          <a:lstStyle/>
-          <a:p>
-            <a:pPr marL="0" lvl="0" indent="0" algn="l" rtl="0">
-              <a:spcBef>
-                <a:spcPts val="0"/>
-              </a:spcBef>
-              <a:spcAft>
-                <a:spcPts val="0"/>
-              </a:spcAft>
-              <a:buNone/>
-            </a:pPr>
-            <a:r>
-              <a:rPr lang="en-US" dirty="0" smtClean="0"/>
-              <a:t>Daniel </a:t>
-            </a:r>
-            <a:r>
-              <a:rPr lang="en-US" dirty="0" err="1" smtClean="0"/>
-              <a:t>Georgiev</a:t>
-            </a:r>
-            <a:r>
-              <a:rPr lang="en-US" dirty="0" smtClean="0"/>
-              <a:t/>
-            </a:r>
-            <a:br>
-              <a:rPr lang="en-US" dirty="0" smtClean="0"/>
-            </a:br>
-            <a:r>
-              <a:rPr lang="en-US" dirty="0" smtClean="0"/>
-              <a:t>- </a:t>
-            </a:r>
-            <a:r>
-              <a:rPr lang="en-US" dirty="0" err="1" smtClean="0"/>
-              <a:t>Django</a:t>
-            </a:r>
-            <a:endParaRPr dirty="0"/>
-          </a:p>
-        </p:txBody>
-      </p:sp>
-      <p:sp>
-        <p:nvSpPr>
-          <p:cNvPr id="455" name="Google Shape;455;p49"/>
-          <p:cNvSpPr txBox="1">
-            <a:spLocks noGrp="1"/>
-          </p:cNvSpPr>
-          <p:nvPr>
-            <p:ph type="subTitle" idx="4"/>
-          </p:nvPr>
-        </p:nvSpPr>
-        <p:spPr>
-          <a:xfrm>
-            <a:off x="5148064" y="2283718"/>
-            <a:ext cx="1708200" cy="1003200"/>
-          </a:xfrm>
-          <a:prstGeom prst="rect">
-            <a:avLst/>
-          </a:prstGeom>
-        </p:spPr>
-        <p:txBody>
-          <a:bodyPr spcFirstLastPara="1" wrap="square" lIns="91425" tIns="91425" rIns="91425" bIns="91425" anchor="t" anchorCtr="0">
-            <a:noAutofit/>
-          </a:bodyPr>
-          <a:lstStyle/>
-          <a:p>
-            <a:pPr marL="0" lvl="0" indent="0" algn="l" rtl="0">
-              <a:spcBef>
-                <a:spcPts val="0"/>
-              </a:spcBef>
-              <a:spcAft>
-                <a:spcPts val="0"/>
-              </a:spcAft>
-              <a:buNone/>
-            </a:pPr>
-            <a:r>
-              <a:rPr lang="en-US" sz="1400" b="1" dirty="0" smtClean="0">
-                <a:latin typeface="Exo 2" charset="-52"/>
-              </a:rPr>
-              <a:t>Karina </a:t>
-            </a:r>
-            <a:r>
-              <a:rPr lang="en-US" sz="1400" b="1" dirty="0" err="1" smtClean="0">
-                <a:latin typeface="Exo 2" charset="-52"/>
-              </a:rPr>
-              <a:t>Tangardzhieva</a:t>
-            </a:r>
-            <a:endParaRPr lang="en-US" sz="1400" b="1" dirty="0">
-              <a:latin typeface="Exo 2" charset="-52"/>
-            </a:endParaRPr>
-          </a:p>
-          <a:p>
-            <a:pPr marL="0" lvl="0" indent="0" algn="l" rtl="0">
-              <a:spcBef>
-                <a:spcPts val="0"/>
-              </a:spcBef>
-              <a:spcAft>
-                <a:spcPts val="0"/>
-              </a:spcAft>
-              <a:buNone/>
-            </a:pPr>
-            <a:r>
-              <a:rPr lang="en-US" sz="1400" b="1" dirty="0" smtClean="0">
-                <a:latin typeface="Exo 2" charset="-52"/>
-              </a:rPr>
-              <a:t>- AI, ML</a:t>
-            </a:r>
-            <a:endParaRPr sz="1400" b="1" dirty="0">
-              <a:latin typeface="Exo 2" charset="-52"/>
-            </a:endParaRPr>
-          </a:p>
-        </p:txBody>
-      </p:sp>
-      <p:sp>
-        <p:nvSpPr>
-          <p:cNvPr id="456" name="Google Shape;456;p49"/>
-          <p:cNvSpPr txBox="1">
-            <a:spLocks noGrp="1"/>
-          </p:cNvSpPr>
-          <p:nvPr>
-            <p:ph type="ctrTitle" idx="5"/>
-          </p:nvPr>
-        </p:nvSpPr>
-        <p:spPr>
-          <a:xfrm>
-            <a:off x="3275856" y="1491630"/>
-            <a:ext cx="1793100" cy="427500"/>
-          </a:xfrm>
-          <a:prstGeom prst="rect">
-            <a:avLst/>
-          </a:prstGeom>
-        </p:spPr>
-        <p:txBody>
-          <a:bodyPr spcFirstLastPara="1" wrap="square" lIns="91425" tIns="91425" rIns="91425" bIns="91425" anchor="b" anchorCtr="0">
-            <a:noAutofit/>
-          </a:bodyPr>
-          <a:lstStyle/>
-          <a:p>
-            <a:pPr marL="0" lvl="0" indent="0" algn="r" rtl="0">
-              <a:spcBef>
-                <a:spcPts val="0"/>
-              </a:spcBef>
-              <a:spcAft>
-                <a:spcPts val="0"/>
-              </a:spcAft>
-              <a:buNone/>
-            </a:pPr>
-            <a:r>
-              <a:rPr lang="en" dirty="0" smtClean="0"/>
-              <a:t>Hristo Kovachev </a:t>
-            </a:r>
-            <a:r>
-              <a:rPr lang="en" dirty="0"/>
-              <a:t/>
-            </a:r>
-            <a:br>
-              <a:rPr lang="en" dirty="0"/>
-            </a:br>
-            <a:r>
-              <a:rPr lang="en" dirty="0" smtClean="0"/>
-              <a:t>- Crawler</a:t>
-            </a:r>
-            <a:endParaRPr dirty="0"/>
-          </a:p>
-        </p:txBody>
-      </p:sp>
-      <p:sp>
-        <p:nvSpPr>
-          <p:cNvPr id="457" name="Google Shape;457;p49"/>
-          <p:cNvSpPr txBox="1">
-            <a:spLocks noGrp="1"/>
-          </p:cNvSpPr>
-          <p:nvPr>
-            <p:ph type="subTitle" idx="6"/>
-          </p:nvPr>
-        </p:nvSpPr>
-        <p:spPr>
-          <a:xfrm>
-            <a:off x="3563888" y="1779662"/>
-            <a:ext cx="1793100" cy="1003200"/>
-          </a:xfrm>
-          <a:prstGeom prst="rect">
-            <a:avLst/>
-          </a:prstGeom>
-        </p:spPr>
-        <p:txBody>
-          <a:bodyPr spcFirstLastPara="1" wrap="square" lIns="91425" tIns="91425" rIns="91425" bIns="91425" anchor="t" anchorCtr="0">
-            <a:noAutofit/>
-          </a:bodyPr>
-          <a:lstStyle/>
-          <a:p>
-            <a:pPr marL="0" lvl="0" indent="0" algn="r" rtl="0">
-              <a:spcBef>
-                <a:spcPts val="0"/>
-              </a:spcBef>
-              <a:spcAft>
-                <a:spcPts val="0"/>
-              </a:spcAft>
-              <a:buNone/>
-            </a:pPr>
-            <a:endParaRPr dirty="0"/>
-          </a:p>
-        </p:txBody>
-      </p:sp>
-      <p:sp>
-        <p:nvSpPr>
-          <p:cNvPr id="458" name="Google Shape;458;p49"/>
-          <p:cNvSpPr txBox="1">
-            <a:spLocks noGrp="1"/>
-          </p:cNvSpPr>
-          <p:nvPr>
-            <p:ph type="subTitle" idx="8"/>
-          </p:nvPr>
-        </p:nvSpPr>
-        <p:spPr>
-          <a:xfrm>
-            <a:off x="5047299" y="3864823"/>
-            <a:ext cx="1793100" cy="1003200"/>
-          </a:xfrm>
-          <a:prstGeom prst="rect">
-            <a:avLst/>
-          </a:prstGeom>
-        </p:spPr>
-        <p:txBody>
-          <a:bodyPr spcFirstLastPara="1" wrap="square" lIns="91425" tIns="91425" rIns="91425" bIns="91425" anchor="t" anchorCtr="0">
-            <a:noAutofit/>
-          </a:bodyPr>
-          <a:lstStyle/>
-          <a:p>
-            <a:pPr marL="0" lvl="0" indent="0" algn="r" rtl="0">
-              <a:spcBef>
-                <a:spcPts val="0"/>
-              </a:spcBef>
-              <a:spcAft>
-                <a:spcPts val="0"/>
-              </a:spcAft>
-              <a:buNone/>
-            </a:pPr>
-            <a:endParaRPr dirty="0"/>
-          </a:p>
-        </p:txBody>
-      </p:sp>
       <p:cxnSp>
         <p:nvCxnSpPr>
           <p:cNvPr id="463" name="Google Shape;463;p49"/>
@@ -8622,11 +8210,877 @@
           </a:ln>
         </p:spPr>
       </p:cxnSp>
+      <p:pic>
+        <p:nvPicPr>
+          <p:cNvPr id="3" name="Picture 2">
+            <a:extLst>
+              <a:ext uri="{FF2B5EF4-FFF2-40B4-BE49-F238E27FC236}">
+                <a16:creationId xmlns:a16="http://schemas.microsoft.com/office/drawing/2014/main" id="{60BD9476-9F46-56D2-6AC4-5BED9A2C6E77}"/>
+              </a:ext>
+            </a:extLst>
+          </p:cNvPr>
+          <p:cNvPicPr>
+            <a:picLocks noChangeAspect="1"/>
+          </p:cNvPicPr>
+          <p:nvPr/>
+        </p:nvPicPr>
+        <p:blipFill>
+          <a:blip r:embed="rId3"/>
+          <a:stretch>
+            <a:fillRect/>
+          </a:stretch>
+        </p:blipFill>
+        <p:spPr>
+          <a:xfrm>
+            <a:off x="3832288" y="1853846"/>
+            <a:ext cx="1408089" cy="1360879"/>
+          </a:xfrm>
+          <a:prstGeom prst="rect">
+            <a:avLst/>
+          </a:prstGeom>
+        </p:spPr>
+      </p:pic>
+      <p:pic>
+        <p:nvPicPr>
+          <p:cNvPr id="5" name="Picture 4">
+            <a:extLst>
+              <a:ext uri="{FF2B5EF4-FFF2-40B4-BE49-F238E27FC236}">
+                <a16:creationId xmlns:a16="http://schemas.microsoft.com/office/drawing/2014/main" id="{B34F9E76-931E-B779-FEED-A80E9516B0E7}"/>
+              </a:ext>
+            </a:extLst>
+          </p:cNvPr>
+          <p:cNvPicPr>
+            <a:picLocks noChangeAspect="1"/>
+          </p:cNvPicPr>
+          <p:nvPr/>
+        </p:nvPicPr>
+        <p:blipFill>
+          <a:blip r:embed="rId4"/>
+          <a:stretch>
+            <a:fillRect/>
+          </a:stretch>
+        </p:blipFill>
+        <p:spPr>
+          <a:xfrm>
+            <a:off x="5571612" y="1848843"/>
+            <a:ext cx="1353829" cy="1360879"/>
+          </a:xfrm>
+          <a:prstGeom prst="rect">
+            <a:avLst/>
+          </a:prstGeom>
+        </p:spPr>
+      </p:pic>
+      <p:pic>
+        <p:nvPicPr>
+          <p:cNvPr id="7" name="Picture 6">
+            <a:extLst>
+              <a:ext uri="{FF2B5EF4-FFF2-40B4-BE49-F238E27FC236}">
+                <a16:creationId xmlns:a16="http://schemas.microsoft.com/office/drawing/2014/main" id="{5971DDAC-58F7-7A01-3F50-0DB2E0F0A12E}"/>
+              </a:ext>
+            </a:extLst>
+          </p:cNvPr>
+          <p:cNvPicPr>
+            <a:picLocks noChangeAspect="1"/>
+          </p:cNvPicPr>
+          <p:nvPr/>
+        </p:nvPicPr>
+        <p:blipFill>
+          <a:blip r:embed="rId5"/>
+          <a:stretch>
+            <a:fillRect/>
+          </a:stretch>
+        </p:blipFill>
+        <p:spPr>
+          <a:xfrm>
+            <a:off x="2131118" y="1854630"/>
+            <a:ext cx="1370103" cy="1370103"/>
+          </a:xfrm>
+          <a:prstGeom prst="rect">
+            <a:avLst/>
+          </a:prstGeom>
+        </p:spPr>
+      </p:pic>
+      <p:pic>
+        <p:nvPicPr>
+          <p:cNvPr id="9" name="Picture 8">
+            <a:extLst>
+              <a:ext uri="{FF2B5EF4-FFF2-40B4-BE49-F238E27FC236}">
+                <a16:creationId xmlns:a16="http://schemas.microsoft.com/office/drawing/2014/main" id="{8AAEE6CB-626B-461D-99D2-00F93B08148C}"/>
+              </a:ext>
+            </a:extLst>
+          </p:cNvPr>
+          <p:cNvPicPr>
+            <a:picLocks noChangeAspect="1"/>
+          </p:cNvPicPr>
+          <p:nvPr/>
+        </p:nvPicPr>
+        <p:blipFill>
+          <a:blip r:embed="rId6"/>
+          <a:stretch>
+            <a:fillRect/>
+          </a:stretch>
+        </p:blipFill>
+        <p:spPr>
+          <a:xfrm>
+            <a:off x="7359063" y="1820408"/>
+            <a:ext cx="1396925" cy="1390575"/>
+          </a:xfrm>
+          <a:prstGeom prst="rect">
+            <a:avLst/>
+          </a:prstGeom>
+        </p:spPr>
+      </p:pic>
+      <p:pic>
+        <p:nvPicPr>
+          <p:cNvPr id="11" name="Picture 10">
+            <a:extLst>
+              <a:ext uri="{FF2B5EF4-FFF2-40B4-BE49-F238E27FC236}">
+                <a16:creationId xmlns:a16="http://schemas.microsoft.com/office/drawing/2014/main" id="{EBC3AD4C-1762-4F9C-0219-6B82A1A78AFD}"/>
+              </a:ext>
+            </a:extLst>
+          </p:cNvPr>
+          <p:cNvPicPr>
+            <a:picLocks noChangeAspect="1"/>
+          </p:cNvPicPr>
+          <p:nvPr/>
+        </p:nvPicPr>
+        <p:blipFill>
+          <a:blip r:embed="rId7"/>
+          <a:stretch>
+            <a:fillRect/>
+          </a:stretch>
+        </p:blipFill>
+        <p:spPr>
+          <a:xfrm>
+            <a:off x="390285" y="1854630"/>
+            <a:ext cx="1371612" cy="1370103"/>
+          </a:xfrm>
+          <a:prstGeom prst="rect">
+            <a:avLst/>
+          </a:prstGeom>
+        </p:spPr>
+      </p:pic>
+      <p:sp>
+        <p:nvSpPr>
+          <p:cNvPr id="23" name="Google Shape;450;p49">
+            <a:extLst>
+              <a:ext uri="{FF2B5EF4-FFF2-40B4-BE49-F238E27FC236}">
+                <a16:creationId xmlns:a16="http://schemas.microsoft.com/office/drawing/2014/main" id="{E4F66FE6-F1E2-1FA3-9363-60C24E52CF2B}"/>
+              </a:ext>
+            </a:extLst>
+          </p:cNvPr>
+          <p:cNvSpPr txBox="1">
+            <a:spLocks/>
+          </p:cNvSpPr>
+          <p:nvPr/>
+        </p:nvSpPr>
+        <p:spPr>
+          <a:xfrm>
+            <a:off x="2934237" y="475803"/>
+            <a:ext cx="3275525" cy="884583"/>
+          </a:xfrm>
+          <a:prstGeom prst="rect">
+            <a:avLst/>
+          </a:prstGeom>
+          <a:noFill/>
+          <a:ln>
+            <a:noFill/>
+          </a:ln>
+        </p:spPr>
+        <p:txBody>
+          <a:bodyPr spcFirstLastPara="1" wrap="square" lIns="91425" tIns="91425" rIns="91425" bIns="91425" anchor="t" anchorCtr="0">
+            <a:noAutofit/>
+          </a:bodyPr>
+          <a:lstStyle>
+            <a:defPPr marR="0" lvl="0" algn="l" rtl="0">
+              <a:lnSpc>
+                <a:spcPct val="100000"/>
+              </a:lnSpc>
+              <a:spcBef>
+                <a:spcPts val="0"/>
+              </a:spcBef>
+              <a:spcAft>
+                <a:spcPts val="0"/>
+              </a:spcAft>
+            </a:defPPr>
+            <a:lvl1pPr marR="0" lvl="0" algn="ctr" rtl="0">
+              <a:lnSpc>
+                <a:spcPct val="100000"/>
+              </a:lnSpc>
+              <a:spcBef>
+                <a:spcPts val="0"/>
+              </a:spcBef>
+              <a:spcAft>
+                <a:spcPts val="0"/>
+              </a:spcAft>
+              <a:buClr>
+                <a:srgbClr val="434343"/>
+              </a:buClr>
+              <a:buSzPts val="2400"/>
+              <a:buFont typeface="Exo 2"/>
+              <a:buNone/>
+              <a:defRPr sz="2400" b="1" i="0" u="none" strike="noStrike" cap="none">
+                <a:solidFill>
+                  <a:srgbClr val="434343"/>
+                </a:solidFill>
+                <a:latin typeface="Exo 2"/>
+                <a:ea typeface="Exo 2"/>
+                <a:cs typeface="Exo 2"/>
+                <a:sym typeface="Exo 2"/>
+              </a:defRPr>
+            </a:lvl1pPr>
+            <a:lvl2pPr marR="0" lvl="1" algn="r" rtl="0">
+              <a:lnSpc>
+                <a:spcPct val="100000"/>
+              </a:lnSpc>
+              <a:spcBef>
+                <a:spcPts val="0"/>
+              </a:spcBef>
+              <a:spcAft>
+                <a:spcPts val="0"/>
+              </a:spcAft>
+              <a:buClr>
+                <a:schemeClr val="dk1"/>
+              </a:buClr>
+              <a:buSzPts val="2400"/>
+              <a:buFont typeface="Exo 2"/>
+              <a:buNone/>
+              <a:defRPr sz="2400" b="0" i="0" u="none" strike="noStrike" cap="none">
+                <a:solidFill>
+                  <a:schemeClr val="dk1"/>
+                </a:solidFill>
+                <a:latin typeface="Exo 2"/>
+                <a:ea typeface="Exo 2"/>
+                <a:cs typeface="Exo 2"/>
+                <a:sym typeface="Exo 2"/>
+              </a:defRPr>
+            </a:lvl2pPr>
+            <a:lvl3pPr marR="0" lvl="2" algn="r" rtl="0">
+              <a:lnSpc>
+                <a:spcPct val="100000"/>
+              </a:lnSpc>
+              <a:spcBef>
+                <a:spcPts val="0"/>
+              </a:spcBef>
+              <a:spcAft>
+                <a:spcPts val="0"/>
+              </a:spcAft>
+              <a:buClr>
+                <a:schemeClr val="dk1"/>
+              </a:buClr>
+              <a:buSzPts val="2400"/>
+              <a:buFont typeface="Exo 2"/>
+              <a:buNone/>
+              <a:defRPr sz="2400" b="0" i="0" u="none" strike="noStrike" cap="none">
+                <a:solidFill>
+                  <a:schemeClr val="dk1"/>
+                </a:solidFill>
+                <a:latin typeface="Exo 2"/>
+                <a:ea typeface="Exo 2"/>
+                <a:cs typeface="Exo 2"/>
+                <a:sym typeface="Exo 2"/>
+              </a:defRPr>
+            </a:lvl3pPr>
+            <a:lvl4pPr marR="0" lvl="3" algn="r" rtl="0">
+              <a:lnSpc>
+                <a:spcPct val="100000"/>
+              </a:lnSpc>
+              <a:spcBef>
+                <a:spcPts val="0"/>
+              </a:spcBef>
+              <a:spcAft>
+                <a:spcPts val="0"/>
+              </a:spcAft>
+              <a:buClr>
+                <a:schemeClr val="dk1"/>
+              </a:buClr>
+              <a:buSzPts val="2400"/>
+              <a:buFont typeface="Exo 2"/>
+              <a:buNone/>
+              <a:defRPr sz="2400" b="0" i="0" u="none" strike="noStrike" cap="none">
+                <a:solidFill>
+                  <a:schemeClr val="dk1"/>
+                </a:solidFill>
+                <a:latin typeface="Exo 2"/>
+                <a:ea typeface="Exo 2"/>
+                <a:cs typeface="Exo 2"/>
+                <a:sym typeface="Exo 2"/>
+              </a:defRPr>
+            </a:lvl4pPr>
+            <a:lvl5pPr marR="0" lvl="4" algn="r" rtl="0">
+              <a:lnSpc>
+                <a:spcPct val="100000"/>
+              </a:lnSpc>
+              <a:spcBef>
+                <a:spcPts val="0"/>
+              </a:spcBef>
+              <a:spcAft>
+                <a:spcPts val="0"/>
+              </a:spcAft>
+              <a:buClr>
+                <a:schemeClr val="dk1"/>
+              </a:buClr>
+              <a:buSzPts val="2400"/>
+              <a:buFont typeface="Exo 2"/>
+              <a:buNone/>
+              <a:defRPr sz="2400" b="0" i="0" u="none" strike="noStrike" cap="none">
+                <a:solidFill>
+                  <a:schemeClr val="dk1"/>
+                </a:solidFill>
+                <a:latin typeface="Exo 2"/>
+                <a:ea typeface="Exo 2"/>
+                <a:cs typeface="Exo 2"/>
+                <a:sym typeface="Exo 2"/>
+              </a:defRPr>
+            </a:lvl5pPr>
+            <a:lvl6pPr marR="0" lvl="5" algn="r" rtl="0">
+              <a:lnSpc>
+                <a:spcPct val="100000"/>
+              </a:lnSpc>
+              <a:spcBef>
+                <a:spcPts val="0"/>
+              </a:spcBef>
+              <a:spcAft>
+                <a:spcPts val="0"/>
+              </a:spcAft>
+              <a:buClr>
+                <a:schemeClr val="dk1"/>
+              </a:buClr>
+              <a:buSzPts val="2400"/>
+              <a:buFont typeface="Exo 2"/>
+              <a:buNone/>
+              <a:defRPr sz="2400" b="0" i="0" u="none" strike="noStrike" cap="none">
+                <a:solidFill>
+                  <a:schemeClr val="dk1"/>
+                </a:solidFill>
+                <a:latin typeface="Exo 2"/>
+                <a:ea typeface="Exo 2"/>
+                <a:cs typeface="Exo 2"/>
+                <a:sym typeface="Exo 2"/>
+              </a:defRPr>
+            </a:lvl6pPr>
+            <a:lvl7pPr marR="0" lvl="6" algn="r" rtl="0">
+              <a:lnSpc>
+                <a:spcPct val="100000"/>
+              </a:lnSpc>
+              <a:spcBef>
+                <a:spcPts val="0"/>
+              </a:spcBef>
+              <a:spcAft>
+                <a:spcPts val="0"/>
+              </a:spcAft>
+              <a:buClr>
+                <a:schemeClr val="dk1"/>
+              </a:buClr>
+              <a:buSzPts val="2400"/>
+              <a:buFont typeface="Exo 2"/>
+              <a:buNone/>
+              <a:defRPr sz="2400" b="0" i="0" u="none" strike="noStrike" cap="none">
+                <a:solidFill>
+                  <a:schemeClr val="dk1"/>
+                </a:solidFill>
+                <a:latin typeface="Exo 2"/>
+                <a:ea typeface="Exo 2"/>
+                <a:cs typeface="Exo 2"/>
+                <a:sym typeface="Exo 2"/>
+              </a:defRPr>
+            </a:lvl7pPr>
+            <a:lvl8pPr marR="0" lvl="7" algn="r" rtl="0">
+              <a:lnSpc>
+                <a:spcPct val="100000"/>
+              </a:lnSpc>
+              <a:spcBef>
+                <a:spcPts val="0"/>
+              </a:spcBef>
+              <a:spcAft>
+                <a:spcPts val="0"/>
+              </a:spcAft>
+              <a:buClr>
+                <a:schemeClr val="dk1"/>
+              </a:buClr>
+              <a:buSzPts val="2400"/>
+              <a:buFont typeface="Exo 2"/>
+              <a:buNone/>
+              <a:defRPr sz="2400" b="0" i="0" u="none" strike="noStrike" cap="none">
+                <a:solidFill>
+                  <a:schemeClr val="dk1"/>
+                </a:solidFill>
+                <a:latin typeface="Exo 2"/>
+                <a:ea typeface="Exo 2"/>
+                <a:cs typeface="Exo 2"/>
+                <a:sym typeface="Exo 2"/>
+              </a:defRPr>
+            </a:lvl8pPr>
+            <a:lvl9pPr marR="0" lvl="8" algn="r" rtl="0">
+              <a:lnSpc>
+                <a:spcPct val="100000"/>
+              </a:lnSpc>
+              <a:spcBef>
+                <a:spcPts val="0"/>
+              </a:spcBef>
+              <a:spcAft>
+                <a:spcPts val="0"/>
+              </a:spcAft>
+              <a:buClr>
+                <a:schemeClr val="dk1"/>
+              </a:buClr>
+              <a:buSzPts val="2400"/>
+              <a:buFont typeface="Exo 2"/>
+              <a:buNone/>
+              <a:defRPr sz="2400" b="0" i="0" u="none" strike="noStrike" cap="none">
+                <a:solidFill>
+                  <a:schemeClr val="dk1"/>
+                </a:solidFill>
+                <a:latin typeface="Exo 2"/>
+                <a:ea typeface="Exo 2"/>
+                <a:cs typeface="Exo 2"/>
+                <a:sym typeface="Exo 2"/>
+              </a:defRPr>
+            </a:lvl9pPr>
+          </a:lstStyle>
+          <a:p>
+            <a:r>
+              <a:rPr lang="en-US" sz="3200" dirty="0"/>
+              <a:t>OUR TEAM</a:t>
+            </a:r>
+          </a:p>
+        </p:txBody>
+      </p:sp>
+      <p:sp>
+        <p:nvSpPr>
+          <p:cNvPr id="25" name="TextBox 24">
+            <a:extLst>
+              <a:ext uri="{FF2B5EF4-FFF2-40B4-BE49-F238E27FC236}">
+                <a16:creationId xmlns:a16="http://schemas.microsoft.com/office/drawing/2014/main" id="{D66FD85E-E8DA-398B-A16B-598B9A58AF19}"/>
+              </a:ext>
+            </a:extLst>
+          </p:cNvPr>
+          <p:cNvSpPr txBox="1"/>
+          <p:nvPr/>
+        </p:nvSpPr>
+        <p:spPr>
+          <a:xfrm>
+            <a:off x="0" y="3550003"/>
+            <a:ext cx="2073753" cy="646331"/>
+          </a:xfrm>
+          <a:prstGeom prst="rect">
+            <a:avLst/>
+          </a:prstGeom>
+          <a:noFill/>
+        </p:spPr>
+        <p:txBody>
+          <a:bodyPr wrap="square">
+            <a:spAutoFit/>
+          </a:bodyPr>
+          <a:lstStyle/>
+          <a:p>
+            <a:pPr algn="ctr"/>
+            <a:r>
+              <a:rPr lang="en-US" sz="1200" b="1" dirty="0">
+                <a:solidFill>
+                  <a:srgbClr val="434343"/>
+                </a:solidFill>
+                <a:latin typeface="Exo 2"/>
+                <a:sym typeface="Exo 2"/>
+              </a:rPr>
+              <a:t>Aleksandra Staykova</a:t>
+            </a:r>
+            <a:br>
+              <a:rPr lang="en-US" sz="1200" b="1" dirty="0">
+                <a:solidFill>
+                  <a:srgbClr val="434343"/>
+                </a:solidFill>
+                <a:latin typeface="Exo 2"/>
+                <a:sym typeface="Exo 2"/>
+              </a:rPr>
+            </a:br>
+            <a:r>
+              <a:rPr lang="en-US" sz="1200" b="1" dirty="0">
+                <a:solidFill>
+                  <a:srgbClr val="434343"/>
+                </a:solidFill>
+                <a:latin typeface="Exo 2"/>
+                <a:sym typeface="Exo 2"/>
+              </a:rPr>
+              <a:t>Leader &amp; Deployment Developer</a:t>
+            </a:r>
+          </a:p>
+        </p:txBody>
+      </p:sp>
+      <p:sp>
+        <p:nvSpPr>
+          <p:cNvPr id="29" name="TextBox 28">
+            <a:extLst>
+              <a:ext uri="{FF2B5EF4-FFF2-40B4-BE49-F238E27FC236}">
+                <a16:creationId xmlns:a16="http://schemas.microsoft.com/office/drawing/2014/main" id="{00DD9F17-2531-89FC-D643-AB67016928A4}"/>
+              </a:ext>
+            </a:extLst>
+          </p:cNvPr>
+          <p:cNvSpPr txBox="1"/>
+          <p:nvPr/>
+        </p:nvSpPr>
+        <p:spPr>
+          <a:xfrm>
+            <a:off x="2005442" y="3642335"/>
+            <a:ext cx="1621454" cy="461665"/>
+          </a:xfrm>
+          <a:prstGeom prst="rect">
+            <a:avLst/>
+          </a:prstGeom>
+          <a:noFill/>
+        </p:spPr>
+        <p:txBody>
+          <a:bodyPr wrap="square">
+            <a:spAutoFit/>
+          </a:bodyPr>
+          <a:lstStyle>
+            <a:defPPr marR="0" lvl="0" algn="l" rtl="0">
+              <a:lnSpc>
+                <a:spcPct val="100000"/>
+              </a:lnSpc>
+              <a:spcBef>
+                <a:spcPts val="0"/>
+              </a:spcBef>
+              <a:spcAft>
+                <a:spcPts val="0"/>
+              </a:spcAft>
+            </a:defPPr>
+            <a:lvl1pPr algn="ctr">
+              <a:defRPr sz="1200" b="1">
+                <a:solidFill>
+                  <a:srgbClr val="434343"/>
+                </a:solidFill>
+                <a:latin typeface="Exo 2"/>
+              </a:defRPr>
+            </a:lvl1pPr>
+          </a:lstStyle>
+          <a:p>
+            <a:r>
+              <a:rPr lang="en-US" dirty="0" err="1"/>
+              <a:t>Hristo</a:t>
+            </a:r>
+            <a:r>
+              <a:rPr lang="en-US" dirty="0"/>
+              <a:t> </a:t>
+            </a:r>
+            <a:r>
+              <a:rPr lang="en-US" dirty="0" err="1"/>
+              <a:t>Kovachev</a:t>
+            </a:r>
+            <a:br>
+              <a:rPr lang="en-US" dirty="0"/>
+            </a:br>
+            <a:r>
+              <a:rPr lang="en-US" dirty="0"/>
+              <a:t>Crawler Developer</a:t>
+            </a:r>
+          </a:p>
+        </p:txBody>
+      </p:sp>
+      <p:sp>
+        <p:nvSpPr>
+          <p:cNvPr id="33" name="TextBox 32">
+            <a:extLst>
+              <a:ext uri="{FF2B5EF4-FFF2-40B4-BE49-F238E27FC236}">
+                <a16:creationId xmlns:a16="http://schemas.microsoft.com/office/drawing/2014/main" id="{CFABB938-B22A-877B-75DB-3DF91DD7E97C}"/>
+              </a:ext>
+            </a:extLst>
+          </p:cNvPr>
+          <p:cNvSpPr txBox="1"/>
+          <p:nvPr/>
+        </p:nvSpPr>
+        <p:spPr>
+          <a:xfrm>
+            <a:off x="3767364" y="3642335"/>
+            <a:ext cx="1537936" cy="461665"/>
+          </a:xfrm>
+          <a:prstGeom prst="rect">
+            <a:avLst/>
+          </a:prstGeom>
+          <a:noFill/>
+        </p:spPr>
+        <p:txBody>
+          <a:bodyPr wrap="square">
+            <a:spAutoFit/>
+          </a:bodyPr>
+          <a:lstStyle>
+            <a:defPPr marR="0" lvl="0" algn="l" rtl="0">
+              <a:lnSpc>
+                <a:spcPct val="100000"/>
+              </a:lnSpc>
+              <a:spcBef>
+                <a:spcPts val="0"/>
+              </a:spcBef>
+              <a:spcAft>
+                <a:spcPts val="0"/>
+              </a:spcAft>
+              <a:defRPr/>
+            </a:defPPr>
+            <a:lvl1pPr algn="ctr">
+              <a:defRPr sz="1200" b="1">
+                <a:solidFill>
+                  <a:srgbClr val="434343"/>
+                </a:solidFill>
+                <a:latin typeface="Exo 2"/>
+              </a:defRPr>
+            </a:lvl1pPr>
+            <a:lvl2pPr>
+              <a:buSzPts val="1400"/>
+              <a:buFont typeface="Exo 2"/>
+              <a:buNone/>
+              <a:defRPr>
+                <a:latin typeface="Exo 2"/>
+                <a:ea typeface="Exo 2"/>
+                <a:cs typeface="Exo 2"/>
+                <a:sym typeface="Exo 2"/>
+              </a:defRPr>
+            </a:lvl2pPr>
+            <a:lvl3pPr>
+              <a:buSzPts val="1400"/>
+              <a:buFont typeface="Exo 2"/>
+              <a:buNone/>
+              <a:defRPr>
+                <a:latin typeface="Exo 2"/>
+                <a:ea typeface="Exo 2"/>
+                <a:cs typeface="Exo 2"/>
+                <a:sym typeface="Exo 2"/>
+              </a:defRPr>
+            </a:lvl3pPr>
+            <a:lvl4pPr>
+              <a:buSzPts val="1400"/>
+              <a:buFont typeface="Exo 2"/>
+              <a:buNone/>
+              <a:defRPr>
+                <a:latin typeface="Exo 2"/>
+                <a:ea typeface="Exo 2"/>
+                <a:cs typeface="Exo 2"/>
+                <a:sym typeface="Exo 2"/>
+              </a:defRPr>
+            </a:lvl4pPr>
+            <a:lvl5pPr>
+              <a:buSzPts val="1400"/>
+              <a:buFont typeface="Exo 2"/>
+              <a:buNone/>
+              <a:defRPr>
+                <a:latin typeface="Exo 2"/>
+                <a:ea typeface="Exo 2"/>
+                <a:cs typeface="Exo 2"/>
+                <a:sym typeface="Exo 2"/>
+              </a:defRPr>
+            </a:lvl5pPr>
+            <a:lvl6pPr>
+              <a:buSzPts val="1400"/>
+              <a:buFont typeface="Exo 2"/>
+              <a:buNone/>
+              <a:defRPr>
+                <a:latin typeface="Exo 2"/>
+                <a:ea typeface="Exo 2"/>
+                <a:cs typeface="Exo 2"/>
+                <a:sym typeface="Exo 2"/>
+              </a:defRPr>
+            </a:lvl6pPr>
+            <a:lvl7pPr>
+              <a:buSzPts val="1400"/>
+              <a:buFont typeface="Exo 2"/>
+              <a:buNone/>
+              <a:defRPr>
+                <a:latin typeface="Exo 2"/>
+                <a:ea typeface="Exo 2"/>
+                <a:cs typeface="Exo 2"/>
+                <a:sym typeface="Exo 2"/>
+              </a:defRPr>
+            </a:lvl7pPr>
+            <a:lvl8pPr>
+              <a:buSzPts val="1400"/>
+              <a:buFont typeface="Exo 2"/>
+              <a:buNone/>
+              <a:defRPr>
+                <a:latin typeface="Exo 2"/>
+                <a:ea typeface="Exo 2"/>
+                <a:cs typeface="Exo 2"/>
+                <a:sym typeface="Exo 2"/>
+              </a:defRPr>
+            </a:lvl8pPr>
+            <a:lvl9pPr>
+              <a:buSzPts val="1400"/>
+              <a:buFont typeface="Exo 2"/>
+              <a:buNone/>
+              <a:defRPr>
+                <a:latin typeface="Exo 2"/>
+                <a:ea typeface="Exo 2"/>
+                <a:cs typeface="Exo 2"/>
+                <a:sym typeface="Exo 2"/>
+              </a:defRPr>
+            </a:lvl9pPr>
+          </a:lstStyle>
+          <a:p>
+            <a:r>
+              <a:rPr lang="en-US" dirty="0"/>
+              <a:t>Daniel </a:t>
+            </a:r>
+            <a:r>
+              <a:rPr lang="en-US" dirty="0" err="1"/>
+              <a:t>Georgiev</a:t>
+            </a:r>
+            <a:br>
+              <a:rPr lang="en-US" dirty="0"/>
+            </a:br>
+            <a:r>
+              <a:rPr lang="en-US" dirty="0"/>
+              <a:t>Django Developer</a:t>
+            </a:r>
+          </a:p>
+        </p:txBody>
+      </p:sp>
+      <p:sp>
+        <p:nvSpPr>
+          <p:cNvPr id="37" name="TextBox 36">
+            <a:extLst>
+              <a:ext uri="{FF2B5EF4-FFF2-40B4-BE49-F238E27FC236}">
+                <a16:creationId xmlns:a16="http://schemas.microsoft.com/office/drawing/2014/main" id="{988B11EB-A106-A970-595D-986F0A0AB6B9}"/>
+              </a:ext>
+            </a:extLst>
+          </p:cNvPr>
+          <p:cNvSpPr txBox="1"/>
+          <p:nvPr/>
+        </p:nvSpPr>
+        <p:spPr>
+          <a:xfrm>
+            <a:off x="5381582" y="3637332"/>
+            <a:ext cx="1733887" cy="461665"/>
+          </a:xfrm>
+          <a:prstGeom prst="rect">
+            <a:avLst/>
+          </a:prstGeom>
+          <a:noFill/>
+        </p:spPr>
+        <p:txBody>
+          <a:bodyPr wrap="square">
+            <a:spAutoFit/>
+          </a:bodyPr>
+          <a:lstStyle>
+            <a:defPPr marR="0" lvl="0" algn="l" rtl="0">
+              <a:lnSpc>
+                <a:spcPct val="100000"/>
+              </a:lnSpc>
+              <a:spcBef>
+                <a:spcPts val="0"/>
+              </a:spcBef>
+              <a:spcAft>
+                <a:spcPts val="0"/>
+              </a:spcAft>
+            </a:defPPr>
+            <a:lvl1pPr algn="ctr">
+              <a:defRPr sz="1200" b="1">
+                <a:solidFill>
+                  <a:srgbClr val="434343"/>
+                </a:solidFill>
+                <a:latin typeface="Exo 2"/>
+              </a:defRPr>
+            </a:lvl1pPr>
+          </a:lstStyle>
+          <a:p>
+            <a:r>
+              <a:rPr lang="en-US" dirty="0"/>
+              <a:t>Georgi </a:t>
+            </a:r>
+            <a:r>
+              <a:rPr lang="en-US" dirty="0" err="1"/>
+              <a:t>Vasilev</a:t>
+            </a:r>
+            <a:br>
+              <a:rPr lang="en-US" dirty="0"/>
+            </a:br>
+            <a:r>
+              <a:rPr lang="en-US" dirty="0"/>
+              <a:t>Django Developer</a:t>
+            </a:r>
+          </a:p>
+        </p:txBody>
+      </p:sp>
+      <p:sp>
+        <p:nvSpPr>
+          <p:cNvPr id="41" name="TextBox 40">
+            <a:extLst>
+              <a:ext uri="{FF2B5EF4-FFF2-40B4-BE49-F238E27FC236}">
+                <a16:creationId xmlns:a16="http://schemas.microsoft.com/office/drawing/2014/main" id="{F6279FCE-FFC9-A7E9-E7C4-7946A1A58D59}"/>
+              </a:ext>
+            </a:extLst>
+          </p:cNvPr>
+          <p:cNvSpPr txBox="1"/>
+          <p:nvPr/>
+        </p:nvSpPr>
+        <p:spPr>
+          <a:xfrm>
+            <a:off x="7122163" y="3628974"/>
+            <a:ext cx="1858299" cy="461665"/>
+          </a:xfrm>
+          <a:prstGeom prst="rect">
+            <a:avLst/>
+          </a:prstGeom>
+          <a:noFill/>
+        </p:spPr>
+        <p:txBody>
+          <a:bodyPr wrap="square">
+            <a:spAutoFit/>
+          </a:bodyPr>
+          <a:lstStyle>
+            <a:defPPr marR="0" lvl="0" algn="l" rtl="0">
+              <a:lnSpc>
+                <a:spcPct val="100000"/>
+              </a:lnSpc>
+              <a:spcBef>
+                <a:spcPts val="0"/>
+              </a:spcBef>
+              <a:spcAft>
+                <a:spcPts val="0"/>
+              </a:spcAft>
+            </a:defPPr>
+            <a:lvl1pPr algn="ctr">
+              <a:defRPr sz="1200" b="1">
+                <a:solidFill>
+                  <a:srgbClr val="434343"/>
+                </a:solidFill>
+                <a:latin typeface="Exo 2"/>
+              </a:defRPr>
+            </a:lvl1pPr>
+          </a:lstStyle>
+          <a:p>
+            <a:r>
+              <a:rPr lang="en-US" dirty="0"/>
+              <a:t>Karina </a:t>
+            </a:r>
+            <a:r>
+              <a:rPr lang="en-US" dirty="0" err="1"/>
+              <a:t>Tangardzhieva</a:t>
+            </a:r>
+            <a:br>
+              <a:rPr lang="en-US" dirty="0"/>
+            </a:br>
+            <a:r>
+              <a:rPr lang="en-US" dirty="0"/>
+              <a:t>AI, ML Developer</a:t>
+            </a:r>
+          </a:p>
+        </p:txBody>
+      </p:sp>
     </p:spTree>
   </p:cSld>
   <p:clrMapOvr>
     <a:masterClrMapping/>
   </p:clrMapOvr>
+  <mc:AlternateContent xmlns:mc="http://schemas.openxmlformats.org/markup-compatibility/2006">
+    <mc:Choice xmlns:p14="http://schemas.microsoft.com/office/powerpoint/2010/main" Requires="p14">
+      <p:transition spd="slow" p14:dur="3000">
+        <p14:conveyor dir="l"/>
+      </p:transition>
+    </mc:Choice>
+    <mc:Fallback>
+      <p:transition spd="slow">
+        <p:fade/>
+      </p:transition>
+    </mc:Fallback>
+  </mc:AlternateContent>
   <p:timing>
     <p:tnLst>
       <p:par>
@@ -8800,44 +9254,6 @@
       </p:grpSpPr>
       <p:sp>
         <p:nvSpPr>
-          <p:cNvPr id="191" name="Google Shape;191;p36"/>
-          <p:cNvSpPr txBox="1">
-            <a:spLocks noGrp="1"/>
-          </p:cNvSpPr>
-          <p:nvPr>
-            <p:ph type="ctrTitle"/>
-          </p:nvPr>
-        </p:nvSpPr>
-        <p:spPr>
-          <a:xfrm flipH="1">
-            <a:off x="1147650" y="3085150"/>
-            <a:ext cx="5005500" cy="1022100"/>
-          </a:xfrm>
-          <a:prstGeom prst="rect">
-            <a:avLst/>
-          </a:prstGeom>
-        </p:spPr>
-        <p:txBody>
-          <a:bodyPr spcFirstLastPara="1" wrap="square" lIns="91425" tIns="91425" rIns="91425" bIns="91425" anchor="ctr" anchorCtr="0">
-            <a:noAutofit/>
-          </a:bodyPr>
-          <a:lstStyle/>
-          <a:p>
-            <a:pPr marL="0" lvl="0" indent="0" algn="l" rtl="0">
-              <a:spcBef>
-                <a:spcPts val="0"/>
-              </a:spcBef>
-              <a:spcAft>
-                <a:spcPts val="0"/>
-              </a:spcAft>
-              <a:buNone/>
-            </a:pPr>
-            <a:endParaRPr dirty="0"/>
-          </a:p>
-        </p:txBody>
-      </p:sp>
-      <p:sp>
-        <p:nvSpPr>
           <p:cNvPr id="192" name="Google Shape;192;p36"/>
           <p:cNvSpPr txBox="1">
             <a:spLocks noGrp="1"/>
@@ -8871,48 +9287,10 @@
               <a:buNone/>
             </a:pPr>
             <a:r>
-              <a:rPr lang="en-US" sz="8000" dirty="0" smtClean="0"/>
+              <a:rPr lang="en-US" sz="8000" dirty="0"/>
               <a:t>TASK</a:t>
             </a:r>
             <a:endParaRPr sz="8000" dirty="0"/>
-          </a:p>
-        </p:txBody>
-      </p:sp>
-      <p:sp>
-        <p:nvSpPr>
-          <p:cNvPr id="193" name="Google Shape;193;p36"/>
-          <p:cNvSpPr txBox="1">
-            <a:spLocks noGrp="1"/>
-          </p:cNvSpPr>
-          <p:nvPr>
-            <p:ph type="subTitle" idx="1"/>
-          </p:nvPr>
-        </p:nvSpPr>
-        <p:spPr>
-          <a:xfrm>
-            <a:off x="1147575" y="4028959"/>
-            <a:ext cx="4224900" cy="536700"/>
-          </a:xfrm>
-          <a:prstGeom prst="rect">
-            <a:avLst/>
-          </a:prstGeom>
-        </p:spPr>
-        <p:txBody>
-          <a:bodyPr spcFirstLastPara="1" wrap="square" lIns="91425" tIns="91425" rIns="91425" bIns="91425" anchor="t" anchorCtr="0">
-            <a:noAutofit/>
-          </a:bodyPr>
-          <a:lstStyle/>
-          <a:p>
-            <a:pPr marL="0" lvl="0" indent="0" algn="l" rtl="0">
-              <a:spcBef>
-                <a:spcPts val="0"/>
-              </a:spcBef>
-              <a:spcAft>
-                <a:spcPts val="0"/>
-              </a:spcAft>
-              <a:buNone/>
-            </a:pPr>
-            <a:endParaRPr dirty="0"/>
           </a:p>
         </p:txBody>
       </p:sp>
@@ -8947,6 +9325,18 @@
   <p:clrMapOvr>
     <a:masterClrMapping/>
   </p:clrMapOvr>
+  <mc:AlternateContent xmlns:mc="http://schemas.openxmlformats.org/markup-compatibility/2006">
+    <mc:Choice xmlns:p14="http://schemas.microsoft.com/office/powerpoint/2010/main" Requires="p14">
+      <p:transition spd="slow" p14:dur="3000">
+        <p14:conveyor dir="l"/>
+      </p:transition>
+    </mc:Choice>
+    <mc:Fallback>
+      <p:transition spd="slow">
+        <p:fade/>
+      </p:transition>
+    </mc:Fallback>
+  </mc:AlternateContent>
   <p:timing>
     <p:tnLst>
       <p:par>
@@ -9355,7 +9745,7 @@
               <a:buNone/>
             </a:pPr>
             <a:r>
-              <a:rPr lang="en-US" dirty="0" smtClean="0"/>
+              <a:rPr lang="en-US" dirty="0"/>
               <a:t>STAGES OF DEVELOPMENT</a:t>
             </a:r>
             <a:endParaRPr dirty="0"/>
@@ -9397,7 +9787,7 @@
               <a:buNone/>
             </a:pPr>
             <a:r>
-              <a:rPr lang="en" dirty="0" smtClean="0"/>
+              <a:rPr lang="en" dirty="0"/>
               <a:t>01</a:t>
             </a:r>
             <a:endParaRPr dirty="0"/>
@@ -9439,7 +9829,7 @@
               <a:buNone/>
             </a:pPr>
             <a:r>
-              <a:rPr lang="en" dirty="0" smtClean="0"/>
+              <a:rPr lang="en" dirty="0"/>
               <a:t>Finding eachother</a:t>
             </a:r>
             <a:endParaRPr dirty="0"/>
@@ -9481,7 +9871,7 @@
               <a:buNone/>
             </a:pPr>
             <a:r>
-              <a:rPr lang="en" dirty="0" smtClean="0"/>
+              <a:rPr lang="en" dirty="0"/>
               <a:t>O2</a:t>
             </a:r>
             <a:endParaRPr dirty="0"/>
@@ -9523,7 +9913,7 @@
               <a:buNone/>
             </a:pPr>
             <a:r>
-              <a:rPr lang="en" dirty="0" smtClean="0"/>
+              <a:rPr lang="en" dirty="0"/>
               <a:t>Starting work</a:t>
             </a:r>
             <a:endParaRPr dirty="0"/>
@@ -9565,7 +9955,7 @@
               <a:buNone/>
             </a:pPr>
             <a:r>
-              <a:rPr lang="en" dirty="0" smtClean="0"/>
+              <a:rPr lang="en" dirty="0"/>
               <a:t>03</a:t>
             </a:r>
             <a:endParaRPr dirty="0"/>
@@ -9607,7 +9997,7 @@
               <a:buNone/>
             </a:pPr>
             <a:r>
-              <a:rPr lang="en-US" dirty="0" smtClean="0"/>
+              <a:rPr lang="en-US" dirty="0"/>
               <a:t>Finishing the project</a:t>
             </a:r>
             <a:endParaRPr dirty="0"/>
@@ -9619,6 +10009,18 @@
   <p:clrMapOvr>
     <a:masterClrMapping/>
   </p:clrMapOvr>
+  <mc:AlternateContent xmlns:mc="http://schemas.openxmlformats.org/markup-compatibility/2006">
+    <mc:Choice xmlns:p14="http://schemas.microsoft.com/office/powerpoint/2010/main" Requires="p14">
+      <p:transition spd="slow" p14:dur="3000">
+        <p14:conveyor dir="l"/>
+      </p:transition>
+    </mc:Choice>
+    <mc:Fallback>
+      <p:transition spd="slow">
+        <p:fade/>
+      </p:transition>
+    </mc:Fallback>
+  </mc:AlternateContent>
   <p:timing>
     <p:tnLst>
       <p:par>
@@ -9825,7 +10227,7 @@
         </p:nvSpPr>
         <p:spPr>
           <a:xfrm>
-            <a:off x="1964851" y="352850"/>
+            <a:off x="1964851" y="323114"/>
             <a:ext cx="5214300" cy="946200"/>
           </a:xfrm>
           <a:prstGeom prst="rect">
@@ -9848,7 +10250,7 @@
               <a:buNone/>
             </a:pPr>
             <a:r>
-              <a:rPr lang="en" dirty="0" smtClean="0"/>
+              <a:rPr lang="en" dirty="0"/>
               <a:t>USED TECHNOLOGIES</a:t>
             </a:r>
             <a:endParaRPr dirty="0"/>
@@ -10270,8 +10672,8 @@
         </p:blipFill>
         <p:spPr bwMode="auto">
           <a:xfrm>
-            <a:off x="827584" y="1035673"/>
-            <a:ext cx="1408200" cy="1388669"/>
+            <a:off x="4008445" y="1615268"/>
+            <a:ext cx="1127109" cy="1111477"/>
           </a:xfrm>
           <a:prstGeom prst="rect">
             <a:avLst/>
@@ -10334,8 +10736,8 @@
         </p:blipFill>
         <p:spPr bwMode="auto">
           <a:xfrm>
-            <a:off x="2635082" y="736231"/>
-            <a:ext cx="3498850" cy="1987550"/>
+            <a:off x="781029" y="1450301"/>
+            <a:ext cx="2525022" cy="1434359"/>
           </a:xfrm>
           <a:prstGeom prst="rect">
             <a:avLst/>
@@ -10398,8 +10800,8 @@
         </p:blipFill>
         <p:spPr bwMode="auto">
           <a:xfrm>
-            <a:off x="6372200" y="1163256"/>
-            <a:ext cx="2030413" cy="1133475"/>
+            <a:off x="6351059" y="1705200"/>
+            <a:ext cx="1656184" cy="924562"/>
           </a:xfrm>
           <a:prstGeom prst="rect">
             <a:avLst/>
@@ -10462,8 +10864,8 @@
         </p:blipFill>
         <p:spPr bwMode="auto">
           <a:xfrm>
-            <a:off x="1978411" y="3349192"/>
-            <a:ext cx="1475272" cy="1310790"/>
+            <a:off x="6546671" y="3351034"/>
+            <a:ext cx="1264960" cy="1184682"/>
           </a:xfrm>
           <a:prstGeom prst="rect">
             <a:avLst/>
@@ -10505,7 +10907,13 @@
       </p:pic>
       <p:pic>
         <p:nvPicPr>
-          <p:cNvPr id="1030" name="Picture 6"/>
+          <p:cNvPr id="2" name="Picture 2" descr="Docker Logos - Docker">
+            <a:extLst>
+              <a:ext uri="{FF2B5EF4-FFF2-40B4-BE49-F238E27FC236}">
+                <a16:creationId xmlns:a16="http://schemas.microsoft.com/office/drawing/2014/main" id="{68C2002E-1E85-5AAC-6722-19FBD0FB933A}"/>
+              </a:ext>
+            </a:extLst>
+          </p:cNvPr>
           <p:cNvPicPr>
             <a:picLocks noChangeAspect="1" noChangeArrowheads="1"/>
           </p:cNvPicPr>
@@ -10526,43 +10934,67 @@
         </p:blipFill>
         <p:spPr bwMode="auto">
           <a:xfrm>
-            <a:off x="4613576" y="3107496"/>
-            <a:ext cx="2609600" cy="1794182"/>
+            <a:off x="3879656" y="3380831"/>
+            <a:ext cx="1384688" cy="1184682"/>
           </a:xfrm>
           <a:prstGeom prst="rect">
             <a:avLst/>
           </a:prstGeom>
           <a:noFill/>
-          <a:ln>
-            <a:noFill/>
-          </a:ln>
-          <a:effectLst/>
           <a:extLst>
             <a:ext uri="{909E8E84-426E-40DD-AFC4-6F175D3DCCD1}">
               <a14:hiddenFill xmlns:a14="http://schemas.microsoft.com/office/drawing/2010/main">
                 <a:solidFill>
-                  <a:schemeClr val="accent1"/>
+                  <a:srgbClr val="FFFFFF"/>
                 </a:solidFill>
               </a14:hiddenFill>
             </a:ext>
-            <a:ext uri="{91240B29-F687-4F45-9708-019B960494DF}">
-              <a14:hiddenLine xmlns:a14="http://schemas.microsoft.com/office/drawing/2010/main" w="9525">
-                <a:solidFill>
-                  <a:schemeClr val="tx1"/>
-                </a:solidFill>
-                <a:miter lim="800000"/>
-                <a:headEnd/>
-                <a:tailEnd/>
-              </a14:hiddenLine>
-            </a:ext>
-            <a:ext uri="{AF507438-7753-43E0-B8FC-AC1667EBCBE1}">
-              <a14:hiddenEffects xmlns:a14="http://schemas.microsoft.com/office/drawing/2010/main">
-                <a:effectLst>
-                  <a:outerShdw dist="35921" dir="2700000" algn="ctr" rotWithShape="0">
-                    <a:schemeClr val="bg2"/>
-                  </a:outerShdw>
-                </a:effectLst>
-              </a14:hiddenEffects>
+          </a:extLst>
+        </p:spPr>
+      </p:pic>
+      <p:pic>
+        <p:nvPicPr>
+          <p:cNvPr id="3" name="Picture 4">
+            <a:extLst>
+              <a:ext uri="{FF2B5EF4-FFF2-40B4-BE49-F238E27FC236}">
+                <a16:creationId xmlns:a16="http://schemas.microsoft.com/office/drawing/2014/main" id="{94837C4C-706F-3717-6FB0-C833DA1B548B}"/>
+              </a:ext>
+            </a:extLst>
+          </p:cNvPr>
+          <p:cNvPicPr>
+            <a:picLocks noChangeAspect="1" noChangeArrowheads="1"/>
+          </p:cNvPicPr>
+          <p:nvPr/>
+        </p:nvPicPr>
+        <p:blipFill>
+          <a:blip r:embed="rId8">
+            <a:extLst>
+              <a:ext uri="{28A0092B-C50C-407E-A947-70E740481C1C}">
+                <a14:useLocalDpi xmlns:a14="http://schemas.microsoft.com/office/drawing/2010/main" val="0"/>
+              </a:ext>
+            </a:extLst>
+          </a:blip>
+          <a:srcRect/>
+          <a:stretch>
+            <a:fillRect/>
+          </a:stretch>
+        </p:blipFill>
+        <p:spPr bwMode="auto">
+          <a:xfrm>
+            <a:off x="1264981" y="3260835"/>
+            <a:ext cx="1424674" cy="1424674"/>
+          </a:xfrm>
+          <a:prstGeom prst="rect">
+            <a:avLst/>
+          </a:prstGeom>
+          <a:noFill/>
+          <a:extLst>
+            <a:ext uri="{909E8E84-426E-40DD-AFC4-6F175D3DCCD1}">
+              <a14:hiddenFill xmlns:a14="http://schemas.microsoft.com/office/drawing/2010/main">
+                <a:solidFill>
+                  <a:srgbClr val="FFFFFF"/>
+                </a:solidFill>
+              </a14:hiddenFill>
             </a:ext>
           </a:extLst>
         </p:spPr>
@@ -10572,13 +11004,18 @@
   <p:clrMapOvr>
     <a:masterClrMapping/>
   </p:clrMapOvr>
-  <p:timing>
-    <p:tnLst>
-      <p:par>
-        <p:cTn id="1" dur="indefinite" restart="never" nodeType="tmRoot"/>
-      </p:par>
-    </p:tnLst>
-  </p:timing>
+  <mc:AlternateContent xmlns:mc="http://schemas.openxmlformats.org/markup-compatibility/2006">
+    <mc:Choice xmlns:p14="http://schemas.microsoft.com/office/powerpoint/2010/main" Requires="p14">
+      <p:transition spd="slow" p14:dur="3000">
+        <p14:conveyor dir="l"/>
+      </p:transition>
+    </mc:Choice>
+    <mc:Fallback>
+      <p:transition spd="slow">
+        <p:fade/>
+      </p:transition>
+    </mc:Fallback>
+  </mc:AlternateContent>
 </p:sld>
 </file>
 
@@ -10601,44 +11038,6 @@
       </p:grpSpPr>
       <p:sp>
         <p:nvSpPr>
-          <p:cNvPr id="615" name="Google Shape;615;p54"/>
-          <p:cNvSpPr txBox="1">
-            <a:spLocks noGrp="1"/>
-          </p:cNvSpPr>
-          <p:nvPr>
-            <p:ph type="ctrTitle"/>
-          </p:nvPr>
-        </p:nvSpPr>
-        <p:spPr>
-          <a:xfrm flipH="1">
-            <a:off x="1691680" y="2211710"/>
-            <a:ext cx="5195700" cy="1921200"/>
-          </a:xfrm>
-          <a:prstGeom prst="rect">
-            <a:avLst/>
-          </a:prstGeom>
-        </p:spPr>
-        <p:txBody>
-          <a:bodyPr spcFirstLastPara="1" wrap="square" lIns="91425" tIns="91425" rIns="91425" bIns="91425" anchor="ctr" anchorCtr="0">
-            <a:noAutofit/>
-          </a:bodyPr>
-          <a:lstStyle/>
-          <a:p>
-            <a:pPr marL="0" lvl="0" indent="0" algn="r" rtl="0">
-              <a:spcBef>
-                <a:spcPts val="0"/>
-              </a:spcBef>
-              <a:spcAft>
-                <a:spcPts val="0"/>
-              </a:spcAft>
-              <a:buNone/>
-            </a:pPr>
-            <a:endParaRPr dirty="0"/>
-          </a:p>
-        </p:txBody>
-      </p:sp>
-      <p:sp>
-        <p:nvSpPr>
           <p:cNvPr id="616" name="Google Shape;616;p54"/>
           <p:cNvSpPr txBox="1">
             <a:spLocks noGrp="1"/>
@@ -10649,8 +11048,8 @@
         </p:nvSpPr>
         <p:spPr>
           <a:xfrm flipH="1">
-            <a:off x="3914472" y="1866650"/>
-            <a:ext cx="2979300" cy="754500"/>
+            <a:off x="2915816" y="1619846"/>
+            <a:ext cx="3761932" cy="754500"/>
           </a:xfrm>
           <a:prstGeom prst="rect">
             <a:avLst/>
@@ -10664,48 +11063,10 @@
           <a:p>
             <a:pPr lvl="0"/>
             <a:r>
-              <a:rPr lang="en" sz="3200" dirty="0"/>
-              <a:t>Thank you for your attention!</a:t>
+              <a:rPr lang="en" sz="3600" dirty="0"/>
+              <a:t>Let’s jump to our project!</a:t>
             </a:r>
-            <a:endParaRPr sz="3200" dirty="0"/>
-          </a:p>
-        </p:txBody>
-      </p:sp>
-      <p:sp>
-        <p:nvSpPr>
-          <p:cNvPr id="617" name="Google Shape;617;p54"/>
-          <p:cNvSpPr txBox="1">
-            <a:spLocks noGrp="1"/>
-          </p:cNvSpPr>
-          <p:nvPr>
-            <p:ph type="subTitle" idx="1"/>
-          </p:nvPr>
-        </p:nvSpPr>
-        <p:spPr>
-          <a:xfrm>
-            <a:off x="2668872" y="3476054"/>
-            <a:ext cx="4224900" cy="536700"/>
-          </a:xfrm>
-          <a:prstGeom prst="rect">
-            <a:avLst/>
-          </a:prstGeom>
-        </p:spPr>
-        <p:txBody>
-          <a:bodyPr spcFirstLastPara="1" wrap="square" lIns="91425" tIns="91425" rIns="91425" bIns="91425" anchor="t" anchorCtr="0">
-            <a:noAutofit/>
-          </a:bodyPr>
-          <a:lstStyle/>
-          <a:p>
-            <a:pPr marL="0" lvl="0" indent="0" algn="r" rtl="0">
-              <a:spcBef>
-                <a:spcPts val="0"/>
-              </a:spcBef>
-              <a:spcAft>
-                <a:spcPts val="0"/>
-              </a:spcAft>
-              <a:buNone/>
-            </a:pPr>
-            <a:endParaRPr dirty="0"/>
+            <a:endParaRPr sz="3600" dirty="0"/>
           </a:p>
         </p:txBody>
       </p:sp>
@@ -10735,11 +11096,64 @@
           </a:ln>
         </p:spPr>
       </p:cxnSp>
+      <p:sp>
+        <p:nvSpPr>
+          <p:cNvPr id="9" name="TextBox 8">
+            <a:extLst>
+              <a:ext uri="{FF2B5EF4-FFF2-40B4-BE49-F238E27FC236}">
+                <a16:creationId xmlns:a16="http://schemas.microsoft.com/office/drawing/2014/main" id="{62F4951C-6C9B-CC7F-F1F6-516FAF697440}"/>
+              </a:ext>
+            </a:extLst>
+          </p:cNvPr>
+          <p:cNvSpPr txBox="1"/>
+          <p:nvPr/>
+        </p:nvSpPr>
+        <p:spPr>
+          <a:xfrm>
+            <a:off x="5076056" y="2638350"/>
+            <a:ext cx="2934072" cy="261610"/>
+          </a:xfrm>
+          <a:prstGeom prst="rect">
+            <a:avLst/>
+          </a:prstGeom>
+          <a:noFill/>
+        </p:spPr>
+        <p:txBody>
+          <a:bodyPr wrap="square">
+            <a:spAutoFit/>
+          </a:bodyPr>
+          <a:lstStyle/>
+          <a:p>
+            <a:r>
+              <a:rPr lang="en-US" sz="1100" dirty="0">
+                <a:solidFill>
+                  <a:schemeClr val="bg1">
+                    <a:lumMod val="85000"/>
+                  </a:schemeClr>
+                </a:solidFill>
+              </a:rPr>
+              <a:t>or at least what we have done</a:t>
+            </a:r>
+          </a:p>
+        </p:txBody>
+      </p:sp>
     </p:spTree>
   </p:cSld>
   <p:clrMapOvr>
     <a:masterClrMapping/>
   </p:clrMapOvr>
+  <mc:AlternateContent xmlns:mc="http://schemas.openxmlformats.org/markup-compatibility/2006">
+    <mc:Choice xmlns:p14="http://schemas.microsoft.com/office/powerpoint/2010/main" Requires="p14">
+      <p:transition spd="slow" p14:dur="3000">
+        <p14:conveyor dir="l"/>
+      </p:transition>
+    </mc:Choice>
+    <mc:Fallback>
+      <p:transition spd="slow">
+        <p:fade/>
+      </p:transition>
+    </mc:Fallback>
+  </mc:AlternateContent>
   <p:timing>
     <p:tnLst>
       <p:par>
@@ -10860,6 +11274,50 @@
                             </p:childTnLst>
                           </p:cTn>
                         </p:par>
+                        <p:par>
+                          <p:cTn id="12" fill="hold">
+                            <p:stCondLst>
+                              <p:cond delay="1800"/>
+                            </p:stCondLst>
+                            <p:childTnLst>
+                              <p:par>
+                                <p:cTn id="13" presetID="10" presetClass="entr" presetSubtype="0" fill="hold" grpId="0" nodeType="afterEffect">
+                                  <p:stCondLst>
+                                    <p:cond delay="0"/>
+                                  </p:stCondLst>
+                                  <p:childTnLst>
+                                    <p:set>
+                                      <p:cBhvr>
+                                        <p:cTn id="14" dur="1" fill="hold">
+                                          <p:stCondLst>
+                                            <p:cond delay="0"/>
+                                          </p:stCondLst>
+                                        </p:cTn>
+                                        <p:tgtEl>
+                                          <p:spTgt spid="9"/>
+                                        </p:tgtEl>
+                                        <p:attrNameLst>
+                                          <p:attrName>style.visibility</p:attrName>
+                                        </p:attrNameLst>
+                                      </p:cBhvr>
+                                      <p:to>
+                                        <p:strVal val="visible"/>
+                                      </p:to>
+                                    </p:set>
+                                    <p:animEffect transition="in" filter="fade">
+                                      <p:cBhvr>
+                                        <p:cTn id="15" dur="500"/>
+                                        <p:tgtEl>
+                                          <p:spTgt spid="9"/>
+                                        </p:tgtEl>
+                                      </p:cBhvr>
+                                    </p:animEffect>
+                                  </p:childTnLst>
+                                </p:cTn>
+                              </p:par>
+                            </p:childTnLst>
+                          </p:cTn>
+                        </p:par>
                       </p:childTnLst>
                     </p:cTn>
                   </p:par>
@@ -10884,6 +11342,9 @@
         </p:cTn>
       </p:par>
     </p:tnLst>
+    <p:bldLst>
+      <p:bldP spid="9" grpId="0"/>
+    </p:bldLst>
   </p:timing>
 </p:sld>
 </file>
